--- a/Slide Apresentação/O amor pela arte das oito armas.pptx
+++ b/Slide Apresentação/O amor pela arte das oito armas.pptx
@@ -11,8 +11,11 @@
     <p:sldId id="259" r:id="rId5"/>
     <p:sldId id="260" r:id="rId6"/>
     <p:sldId id="261" r:id="rId7"/>
-    <p:sldId id="262" r:id="rId8"/>
-    <p:sldId id="263" r:id="rId9"/>
+    <p:sldId id="264" r:id="rId8"/>
+    <p:sldId id="265" r:id="rId9"/>
+    <p:sldId id="266" r:id="rId10"/>
+    <p:sldId id="262" r:id="rId11"/>
+    <p:sldId id="263" r:id="rId12"/>
   </p:sldIdLst>
   <p:sldSz cx="12192000" cy="6858000"/>
   <p:notesSz cx="6858000" cy="9144000"/>
@@ -111,6 +114,11 @@
       </a:defRPr>
     </a:lvl9pPr>
   </p:defaultTextStyle>
+  <p:extLst>
+    <p:ext uri="{EFAFB233-063F-42B5-8137-9DF3F51BA10A}">
+      <p15:sldGuideLst xmlns:p15="http://schemas.microsoft.com/office/powerpoint/2012/main"/>
+    </p:ext>
+  </p:extLst>
 </p:presentation>
 </file>
 
@@ -325,7 +333,7 @@
           <a:p>
             <a:fld id="{1FB667F6-F68B-4810-B8C2-C9CF59EEF8C1}" type="datetimeFigureOut">
               <a:rPr lang="pt-BR" smtClean="0"/>
-              <a:t>03/06/2024</a:t>
+              <a:t>04/06/2024</a:t>
             </a:fld>
             <a:endParaRPr lang="pt-BR"/>
           </a:p>
@@ -546,7 +554,7 @@
           <a:p>
             <a:fld id="{1FB667F6-F68B-4810-B8C2-C9CF59EEF8C1}" type="datetimeFigureOut">
               <a:rPr lang="pt-BR" smtClean="0"/>
-              <a:t>03/06/2024</a:t>
+              <a:t>04/06/2024</a:t>
             </a:fld>
             <a:endParaRPr lang="pt-BR"/>
           </a:p>
@@ -726,7 +734,7 @@
           <a:p>
             <a:fld id="{1FB667F6-F68B-4810-B8C2-C9CF59EEF8C1}" type="datetimeFigureOut">
               <a:rPr lang="pt-BR" smtClean="0"/>
-              <a:t>03/06/2024</a:t>
+              <a:t>04/06/2024</a:t>
             </a:fld>
             <a:endParaRPr lang="pt-BR"/>
           </a:p>
@@ -896,7 +904,7 @@
           <a:p>
             <a:fld id="{1FB667F6-F68B-4810-B8C2-C9CF59EEF8C1}" type="datetimeFigureOut">
               <a:rPr lang="pt-BR" smtClean="0"/>
-              <a:t>03/06/2024</a:t>
+              <a:t>04/06/2024</a:t>
             </a:fld>
             <a:endParaRPr lang="pt-BR"/>
           </a:p>
@@ -1170,7 +1178,7 @@
           <a:p>
             <a:fld id="{1FB667F6-F68B-4810-B8C2-C9CF59EEF8C1}" type="datetimeFigureOut">
               <a:rPr lang="pt-BR" smtClean="0"/>
-              <a:t>03/06/2024</a:t>
+              <a:t>04/06/2024</a:t>
             </a:fld>
             <a:endParaRPr lang="pt-BR"/>
           </a:p>
@@ -1493,7 +1501,7 @@
           <a:p>
             <a:fld id="{1FB667F6-F68B-4810-B8C2-C9CF59EEF8C1}" type="datetimeFigureOut">
               <a:rPr lang="pt-BR" smtClean="0"/>
-              <a:t>03/06/2024</a:t>
+              <a:t>04/06/2024</a:t>
             </a:fld>
             <a:endParaRPr lang="pt-BR"/>
           </a:p>
@@ -1917,7 +1925,7 @@
           <a:p>
             <a:fld id="{1FB667F6-F68B-4810-B8C2-C9CF59EEF8C1}" type="datetimeFigureOut">
               <a:rPr lang="pt-BR" smtClean="0"/>
-              <a:t>03/06/2024</a:t>
+              <a:t>04/06/2024</a:t>
             </a:fld>
             <a:endParaRPr lang="pt-BR"/>
           </a:p>
@@ -2035,7 +2043,7 @@
           <a:p>
             <a:fld id="{1FB667F6-F68B-4810-B8C2-C9CF59EEF8C1}" type="datetimeFigureOut">
               <a:rPr lang="pt-BR" smtClean="0"/>
-              <a:t>03/06/2024</a:t>
+              <a:t>04/06/2024</a:t>
             </a:fld>
             <a:endParaRPr lang="pt-BR"/>
           </a:p>
@@ -2130,7 +2138,7 @@
           <a:p>
             <a:fld id="{1FB667F6-F68B-4810-B8C2-C9CF59EEF8C1}" type="datetimeFigureOut">
               <a:rPr lang="pt-BR" smtClean="0"/>
-              <a:t>03/06/2024</a:t>
+              <a:t>04/06/2024</a:t>
             </a:fld>
             <a:endParaRPr lang="pt-BR"/>
           </a:p>
@@ -2420,7 +2428,7 @@
           <a:p>
             <a:fld id="{1FB667F6-F68B-4810-B8C2-C9CF59EEF8C1}" type="datetimeFigureOut">
               <a:rPr lang="pt-BR" smtClean="0"/>
-              <a:t>03/06/2024</a:t>
+              <a:t>04/06/2024</a:t>
             </a:fld>
             <a:endParaRPr lang="pt-BR"/>
           </a:p>
@@ -2692,7 +2700,7 @@
           <a:p>
             <a:fld id="{1FB667F6-F68B-4810-B8C2-C9CF59EEF8C1}" type="datetimeFigureOut">
               <a:rPr lang="pt-BR" smtClean="0"/>
-              <a:t>03/06/2024</a:t>
+              <a:t>04/06/2024</a:t>
             </a:fld>
             <a:endParaRPr lang="pt-BR"/>
           </a:p>
@@ -2758,9 +2766,31 @@
   <p:cSld>
     <p:bg>
       <p:bgPr>
-        <a:solidFill>
-          <a:schemeClr val="accent1"/>
-        </a:solidFill>
+        <a:gradFill flip="none" rotWithShape="1">
+          <a:gsLst>
+            <a:gs pos="29000">
+              <a:schemeClr val="accent5">
+                <a:lumMod val="0"/>
+                <a:lumOff val="100000"/>
+              </a:schemeClr>
+            </a:gs>
+            <a:gs pos="67000">
+              <a:schemeClr val="tx2">
+                <a:lumMod val="60000"/>
+                <a:lumOff val="40000"/>
+              </a:schemeClr>
+            </a:gs>
+            <a:gs pos="84000">
+              <a:schemeClr val="accent5">
+                <a:lumMod val="100000"/>
+              </a:schemeClr>
+            </a:gs>
+          </a:gsLst>
+          <a:path path="circle">
+            <a:fillToRect l="50000" t="-80000" r="50000" b="180000"/>
+          </a:path>
+          <a:tileRect/>
+        </a:gradFill>
         <a:effectLst/>
       </p:bgPr>
     </p:bg>
@@ -2946,7 +2976,7 @@
           <a:p>
             <a:fld id="{1FB667F6-F68B-4810-B8C2-C9CF59EEF8C1}" type="datetimeFigureOut">
               <a:rPr lang="pt-BR" smtClean="0"/>
-              <a:t>03/06/2024</a:t>
+              <a:t>04/06/2024</a:t>
             </a:fld>
             <a:endParaRPr lang="pt-BR"/>
           </a:p>
@@ -3431,7 +3461,9 @@
             <a:r>
               <a:rPr lang="pt-BR" dirty="0">
                 <a:solidFill>
-                  <a:schemeClr val="bg2"/>
+                  <a:schemeClr val="bg2">
+                    <a:lumMod val="25000"/>
+                  </a:schemeClr>
                 </a:solidFill>
               </a:rPr>
               <a:t>O amor pela arte das oito armas</a:t>
@@ -3461,7 +3493,13 @@
           <a:lstStyle/>
           <a:p>
             <a:r>
-              <a:rPr lang="pt-BR" dirty="0"/>
+              <a:rPr lang="pt-BR" dirty="0">
+                <a:solidFill>
+                  <a:schemeClr val="bg2">
+                    <a:lumMod val="25000"/>
+                  </a:schemeClr>
+                </a:solidFill>
+              </a:rPr>
               <a:t>Por: Enrico Ferrer de Santana</a:t>
             </a:r>
           </a:p>
@@ -3471,6 +3509,546 @@
     <p:extLst>
       <p:ext uri="{BB962C8B-B14F-4D97-AF65-F5344CB8AC3E}">
         <p14:creationId xmlns:p14="http://schemas.microsoft.com/office/powerpoint/2010/main" val="4151525900"/>
+      </p:ext>
+    </p:extLst>
+  </p:cSld>
+  <p:clrMapOvr>
+    <a:masterClrMapping/>
+  </p:clrMapOvr>
+</p:sld>
+</file>
+
+<file path=ppt/slides/slide10.xml><?xml version="1.0" encoding="utf-8"?>
+<p:sld xmlns:a="http://schemas.openxmlformats.org/drawingml/2006/main" xmlns:r="http://schemas.openxmlformats.org/officeDocument/2006/relationships" xmlns:p="http://schemas.openxmlformats.org/presentationml/2006/main">
+  <p:cSld>
+    <p:spTree>
+      <p:nvGrpSpPr>
+        <p:cNvPr id="1" name=""/>
+        <p:cNvGrpSpPr/>
+        <p:nvPr/>
+      </p:nvGrpSpPr>
+      <p:grpSpPr>
+        <a:xfrm>
+          <a:off x="0" y="0"/>
+          <a:ext cx="0" cy="0"/>
+          <a:chOff x="0" y="0"/>
+          <a:chExt cx="0" cy="0"/>
+        </a:xfrm>
+      </p:grpSpPr>
+      <p:sp>
+        <p:nvSpPr>
+          <p:cNvPr id="2" name="Título 1">
+            <a:extLst>
+              <a:ext uri="{FF2B5EF4-FFF2-40B4-BE49-F238E27FC236}">
+                <a16:creationId xmlns:a16="http://schemas.microsoft.com/office/drawing/2014/main" id="{15F5FAA8-7A1C-279F-2564-C56A9EA319EA}"/>
+              </a:ext>
+            </a:extLst>
+          </p:cNvPr>
+          <p:cNvSpPr>
+            <a:spLocks noGrp="1"/>
+          </p:cNvSpPr>
+          <p:nvPr>
+            <p:ph type="title"/>
+          </p:nvPr>
+        </p:nvSpPr>
+        <p:spPr/>
+        <p:txBody>
+          <a:bodyPr/>
+          <a:lstStyle/>
+          <a:p>
+            <a:r>
+              <a:rPr lang="pt-BR" dirty="0"/>
+              <a:t>Agradecimentos:</a:t>
+            </a:r>
+          </a:p>
+        </p:txBody>
+      </p:sp>
+      <p:sp>
+        <p:nvSpPr>
+          <p:cNvPr id="3" name="Espaço Reservado para Conteúdo 2">
+            <a:extLst>
+              <a:ext uri="{FF2B5EF4-FFF2-40B4-BE49-F238E27FC236}">
+                <a16:creationId xmlns:a16="http://schemas.microsoft.com/office/drawing/2014/main" id="{0A9F188B-A8BE-294E-0FC6-BBD40C44C318}"/>
+              </a:ext>
+            </a:extLst>
+          </p:cNvPr>
+          <p:cNvSpPr>
+            <a:spLocks noGrp="1"/>
+          </p:cNvSpPr>
+          <p:nvPr>
+            <p:ph idx="1"/>
+          </p:nvPr>
+        </p:nvSpPr>
+        <p:spPr>
+          <a:xfrm>
+            <a:off x="616258" y="1825625"/>
+            <a:ext cx="6228425" cy="4351338"/>
+          </a:xfrm>
+        </p:spPr>
+        <p:txBody>
+          <a:bodyPr/>
+          <a:lstStyle/>
+          <a:p>
+            <a:r>
+              <a:rPr lang="pt-BR" dirty="0"/>
+              <a:t>Minha irmã, amiga, professora e minha maior inspiração no Muay Thai e grande inspiração como pessoa:</a:t>
+            </a:r>
+          </a:p>
+          <a:p>
+            <a:r>
+              <a:rPr lang="pt-BR" dirty="0"/>
+              <a:t>Nathalia de Santana Caldeira.</a:t>
+            </a:r>
+          </a:p>
+          <a:p>
+            <a:r>
+              <a:rPr lang="pt-BR" dirty="0"/>
+              <a:t>Além disso...</a:t>
+            </a:r>
+          </a:p>
+          <a:p>
+            <a:r>
+              <a:rPr lang="pt-BR" dirty="0"/>
+              <a:t>A </a:t>
+            </a:r>
+            <a:r>
+              <a:rPr lang="pt-BR" dirty="0" err="1"/>
+              <a:t>SPTech</a:t>
+            </a:r>
+            <a:r>
+              <a:rPr lang="pt-BR" dirty="0"/>
+              <a:t>, por me ajudar a relembrar do amor que eu sinto por esse esporte que mudou minha vida.</a:t>
+            </a:r>
+          </a:p>
+        </p:txBody>
+      </p:sp>
+      <p:pic>
+        <p:nvPicPr>
+          <p:cNvPr id="5" name="Imagem 4">
+            <a:extLst>
+              <a:ext uri="{FF2B5EF4-FFF2-40B4-BE49-F238E27FC236}">
+                <a16:creationId xmlns:a16="http://schemas.microsoft.com/office/drawing/2014/main" id="{C3360086-17C4-1B0B-58E3-2DFFE93C90FC}"/>
+              </a:ext>
+            </a:extLst>
+          </p:cNvPr>
+          <p:cNvPicPr>
+            <a:picLocks noChangeAspect="1"/>
+          </p:cNvPicPr>
+          <p:nvPr/>
+        </p:nvPicPr>
+        <p:blipFill>
+          <a:blip r:embed="rId2"/>
+          <a:stretch>
+            <a:fillRect/>
+          </a:stretch>
+        </p:blipFill>
+        <p:spPr>
+          <a:xfrm>
+            <a:off x="6844683" y="689841"/>
+            <a:ext cx="5035815" cy="5478318"/>
+          </a:xfrm>
+          <a:prstGeom prst="rect">
+            <a:avLst/>
+          </a:prstGeom>
+        </p:spPr>
+      </p:pic>
+    </p:spTree>
+    <p:extLst>
+      <p:ext uri="{BB962C8B-B14F-4D97-AF65-F5344CB8AC3E}">
+        <p14:creationId xmlns:p14="http://schemas.microsoft.com/office/powerpoint/2010/main" val="2969893371"/>
+      </p:ext>
+    </p:extLst>
+  </p:cSld>
+  <p:clrMapOvr>
+    <a:masterClrMapping/>
+  </p:clrMapOvr>
+  <p:timing>
+    <p:tnLst>
+      <p:par>
+        <p:cTn id="1" dur="indefinite" restart="never" nodeType="tmRoot">
+          <p:childTnLst>
+            <p:seq concurrent="1" nextAc="seek">
+              <p:cTn id="2" dur="indefinite" nodeType="mainSeq">
+                <p:childTnLst>
+                  <p:par>
+                    <p:cTn id="3" fill="hold">
+                      <p:stCondLst>
+                        <p:cond delay="indefinite"/>
+                      </p:stCondLst>
+                      <p:childTnLst>
+                        <p:par>
+                          <p:cTn id="4" fill="hold">
+                            <p:stCondLst>
+                              <p:cond delay="0"/>
+                            </p:stCondLst>
+                            <p:childTnLst>
+                              <p:par>
+                                <p:cTn id="5" presetID="1" presetClass="entr" presetSubtype="0" fill="hold" nodeType="clickEffect">
+                                  <p:stCondLst>
+                                    <p:cond delay="0"/>
+                                  </p:stCondLst>
+                                  <p:childTnLst>
+                                    <p:set>
+                                      <p:cBhvr>
+                                        <p:cTn id="6" dur="1" fill="hold">
+                                          <p:stCondLst>
+                                            <p:cond delay="0"/>
+                                          </p:stCondLst>
+                                        </p:cTn>
+                                        <p:tgtEl>
+                                          <p:spTgt spid="3">
+                                            <p:txEl>
+                                              <p:pRg st="0" end="0"/>
+                                            </p:txEl>
+                                          </p:spTgt>
+                                        </p:tgtEl>
+                                        <p:attrNameLst>
+                                          <p:attrName>style.visibility</p:attrName>
+                                        </p:attrNameLst>
+                                      </p:cBhvr>
+                                      <p:to>
+                                        <p:strVal val="visible"/>
+                                      </p:to>
+                                    </p:set>
+                                  </p:childTnLst>
+                                </p:cTn>
+                              </p:par>
+                            </p:childTnLst>
+                          </p:cTn>
+                        </p:par>
+                      </p:childTnLst>
+                    </p:cTn>
+                  </p:par>
+                  <p:par>
+                    <p:cTn id="7" fill="hold">
+                      <p:stCondLst>
+                        <p:cond delay="indefinite"/>
+                      </p:stCondLst>
+                      <p:childTnLst>
+                        <p:par>
+                          <p:cTn id="8" fill="hold">
+                            <p:stCondLst>
+                              <p:cond delay="0"/>
+                            </p:stCondLst>
+                            <p:childTnLst>
+                              <p:par>
+                                <p:cTn id="9" presetID="1" presetClass="entr" presetSubtype="0" fill="hold" nodeType="clickEffect">
+                                  <p:stCondLst>
+                                    <p:cond delay="0"/>
+                                  </p:stCondLst>
+                                  <p:childTnLst>
+                                    <p:set>
+                                      <p:cBhvr>
+                                        <p:cTn id="10" dur="1" fill="hold">
+                                          <p:stCondLst>
+                                            <p:cond delay="0"/>
+                                          </p:stCondLst>
+                                        </p:cTn>
+                                        <p:tgtEl>
+                                          <p:spTgt spid="3">
+                                            <p:txEl>
+                                              <p:pRg st="1" end="1"/>
+                                            </p:txEl>
+                                          </p:spTgt>
+                                        </p:tgtEl>
+                                        <p:attrNameLst>
+                                          <p:attrName>style.visibility</p:attrName>
+                                        </p:attrNameLst>
+                                      </p:cBhvr>
+                                      <p:to>
+                                        <p:strVal val="visible"/>
+                                      </p:to>
+                                    </p:set>
+                                  </p:childTnLst>
+                                </p:cTn>
+                              </p:par>
+                            </p:childTnLst>
+                          </p:cTn>
+                        </p:par>
+                      </p:childTnLst>
+                    </p:cTn>
+                  </p:par>
+                  <p:par>
+                    <p:cTn id="11" fill="hold">
+                      <p:stCondLst>
+                        <p:cond delay="indefinite"/>
+                      </p:stCondLst>
+                      <p:childTnLst>
+                        <p:par>
+                          <p:cTn id="12" fill="hold">
+                            <p:stCondLst>
+                              <p:cond delay="0"/>
+                            </p:stCondLst>
+                            <p:childTnLst>
+                              <p:par>
+                                <p:cTn id="13" presetID="1" presetClass="entr" presetSubtype="0" fill="hold" nodeType="clickEffect">
+                                  <p:stCondLst>
+                                    <p:cond delay="0"/>
+                                  </p:stCondLst>
+                                  <p:childTnLst>
+                                    <p:set>
+                                      <p:cBhvr>
+                                        <p:cTn id="14" dur="1" fill="hold">
+                                          <p:stCondLst>
+                                            <p:cond delay="0"/>
+                                          </p:stCondLst>
+                                        </p:cTn>
+                                        <p:tgtEl>
+                                          <p:spTgt spid="5"/>
+                                        </p:tgtEl>
+                                        <p:attrNameLst>
+                                          <p:attrName>style.visibility</p:attrName>
+                                        </p:attrNameLst>
+                                      </p:cBhvr>
+                                      <p:to>
+                                        <p:strVal val="visible"/>
+                                      </p:to>
+                                    </p:set>
+                                  </p:childTnLst>
+                                </p:cTn>
+                              </p:par>
+                            </p:childTnLst>
+                          </p:cTn>
+                        </p:par>
+                      </p:childTnLst>
+                    </p:cTn>
+                  </p:par>
+                  <p:par>
+                    <p:cTn id="15" fill="hold">
+                      <p:stCondLst>
+                        <p:cond delay="indefinite"/>
+                      </p:stCondLst>
+                      <p:childTnLst>
+                        <p:par>
+                          <p:cTn id="16" fill="hold">
+                            <p:stCondLst>
+                              <p:cond delay="0"/>
+                            </p:stCondLst>
+                            <p:childTnLst>
+                              <p:par>
+                                <p:cTn id="17" presetID="1" presetClass="entr" presetSubtype="0" fill="hold" nodeType="clickEffect">
+                                  <p:stCondLst>
+                                    <p:cond delay="0"/>
+                                  </p:stCondLst>
+                                  <p:childTnLst>
+                                    <p:set>
+                                      <p:cBhvr>
+                                        <p:cTn id="18" dur="1" fill="hold">
+                                          <p:stCondLst>
+                                            <p:cond delay="0"/>
+                                          </p:stCondLst>
+                                        </p:cTn>
+                                        <p:tgtEl>
+                                          <p:spTgt spid="3">
+                                            <p:txEl>
+                                              <p:pRg st="2" end="2"/>
+                                            </p:txEl>
+                                          </p:spTgt>
+                                        </p:tgtEl>
+                                        <p:attrNameLst>
+                                          <p:attrName>style.visibility</p:attrName>
+                                        </p:attrNameLst>
+                                      </p:cBhvr>
+                                      <p:to>
+                                        <p:strVal val="visible"/>
+                                      </p:to>
+                                    </p:set>
+                                  </p:childTnLst>
+                                </p:cTn>
+                              </p:par>
+                            </p:childTnLst>
+                          </p:cTn>
+                        </p:par>
+                      </p:childTnLst>
+                    </p:cTn>
+                  </p:par>
+                  <p:par>
+                    <p:cTn id="19" fill="hold">
+                      <p:stCondLst>
+                        <p:cond delay="indefinite"/>
+                      </p:stCondLst>
+                      <p:childTnLst>
+                        <p:par>
+                          <p:cTn id="20" fill="hold">
+                            <p:stCondLst>
+                              <p:cond delay="0"/>
+                            </p:stCondLst>
+                            <p:childTnLst>
+                              <p:par>
+                                <p:cTn id="21" presetID="1" presetClass="entr" presetSubtype="0" fill="hold" nodeType="clickEffect">
+                                  <p:stCondLst>
+                                    <p:cond delay="0"/>
+                                  </p:stCondLst>
+                                  <p:childTnLst>
+                                    <p:set>
+                                      <p:cBhvr>
+                                        <p:cTn id="22" dur="1" fill="hold">
+                                          <p:stCondLst>
+                                            <p:cond delay="0"/>
+                                          </p:stCondLst>
+                                        </p:cTn>
+                                        <p:tgtEl>
+                                          <p:spTgt spid="3">
+                                            <p:txEl>
+                                              <p:pRg st="3" end="3"/>
+                                            </p:txEl>
+                                          </p:spTgt>
+                                        </p:tgtEl>
+                                        <p:attrNameLst>
+                                          <p:attrName>style.visibility</p:attrName>
+                                        </p:attrNameLst>
+                                      </p:cBhvr>
+                                      <p:to>
+                                        <p:strVal val="visible"/>
+                                      </p:to>
+                                    </p:set>
+                                  </p:childTnLst>
+                                </p:cTn>
+                              </p:par>
+                            </p:childTnLst>
+                          </p:cTn>
+                        </p:par>
+                      </p:childTnLst>
+                    </p:cTn>
+                  </p:par>
+                </p:childTnLst>
+              </p:cTn>
+              <p:prevCondLst>
+                <p:cond evt="onPrev" delay="0">
+                  <p:tgtEl>
+                    <p:sldTgt/>
+                  </p:tgtEl>
+                </p:cond>
+              </p:prevCondLst>
+              <p:nextCondLst>
+                <p:cond evt="onNext" delay="0">
+                  <p:tgtEl>
+                    <p:sldTgt/>
+                  </p:tgtEl>
+                </p:cond>
+              </p:nextCondLst>
+            </p:seq>
+          </p:childTnLst>
+        </p:cTn>
+      </p:par>
+    </p:tnLst>
+  </p:timing>
+</p:sld>
+</file>
+
+<file path=ppt/slides/slide11.xml><?xml version="1.0" encoding="utf-8"?>
+<p:sld xmlns:a="http://schemas.openxmlformats.org/drawingml/2006/main" xmlns:r="http://schemas.openxmlformats.org/officeDocument/2006/relationships" xmlns:p="http://schemas.openxmlformats.org/presentationml/2006/main">
+  <p:cSld>
+    <p:spTree>
+      <p:nvGrpSpPr>
+        <p:cNvPr id="1" name=""/>
+        <p:cNvGrpSpPr/>
+        <p:nvPr/>
+      </p:nvGrpSpPr>
+      <p:grpSpPr>
+        <a:xfrm>
+          <a:off x="0" y="0"/>
+          <a:ext cx="0" cy="0"/>
+          <a:chOff x="0" y="0"/>
+          <a:chExt cx="0" cy="0"/>
+        </a:xfrm>
+      </p:grpSpPr>
+      <p:sp>
+        <p:nvSpPr>
+          <p:cNvPr id="4" name="Título 3">
+            <a:extLst>
+              <a:ext uri="{FF2B5EF4-FFF2-40B4-BE49-F238E27FC236}">
+                <a16:creationId xmlns:a16="http://schemas.microsoft.com/office/drawing/2014/main" id="{2009A6C9-2A94-6E0D-61E1-4F1635D48C9D}"/>
+              </a:ext>
+            </a:extLst>
+          </p:cNvPr>
+          <p:cNvSpPr>
+            <a:spLocks noGrp="1"/>
+          </p:cNvSpPr>
+          <p:nvPr>
+            <p:ph type="ctrTitle"/>
+          </p:nvPr>
+        </p:nvSpPr>
+        <p:spPr/>
+        <p:txBody>
+          <a:bodyPr/>
+          <a:lstStyle/>
+          <a:p>
+            <a:r>
+              <a:rPr lang="pt-BR" dirty="0">
+                <a:solidFill>
+                  <a:schemeClr val="bg2">
+                    <a:lumMod val="25000"/>
+                  </a:schemeClr>
+                </a:solidFill>
+              </a:rPr>
+              <a:t>Muito Obrigado pela Atenção!</a:t>
+            </a:r>
+          </a:p>
+        </p:txBody>
+      </p:sp>
+      <p:sp>
+        <p:nvSpPr>
+          <p:cNvPr id="5" name="Subtítulo 4">
+            <a:extLst>
+              <a:ext uri="{FF2B5EF4-FFF2-40B4-BE49-F238E27FC236}">
+                <a16:creationId xmlns:a16="http://schemas.microsoft.com/office/drawing/2014/main" id="{8EDAE5B6-4C81-C7BC-BAAB-EC3E5D8EF0D4}"/>
+              </a:ext>
+            </a:extLst>
+          </p:cNvPr>
+          <p:cNvSpPr>
+            <a:spLocks noGrp="1"/>
+          </p:cNvSpPr>
+          <p:nvPr>
+            <p:ph type="subTitle" idx="1"/>
+          </p:nvPr>
+        </p:nvSpPr>
+        <p:spPr/>
+        <p:txBody>
+          <a:bodyPr/>
+          <a:lstStyle/>
+          <a:p>
+            <a:r>
+              <a:rPr lang="pt-BR" dirty="0">
+                <a:solidFill>
+                  <a:schemeClr val="bg2">
+                    <a:lumMod val="25000"/>
+                  </a:schemeClr>
+                </a:solidFill>
+              </a:rPr>
+              <a:t>Enrico Ferrer de Santana</a:t>
+            </a:r>
+          </a:p>
+          <a:p>
+            <a:r>
+              <a:rPr lang="pt-BR" dirty="0">
+                <a:solidFill>
+                  <a:schemeClr val="bg2">
+                    <a:lumMod val="25000"/>
+                  </a:schemeClr>
+                </a:solidFill>
+              </a:rPr>
+              <a:t>1ADSC</a:t>
+            </a:r>
+          </a:p>
+          <a:p>
+            <a:r>
+              <a:rPr lang="pt-BR" dirty="0">
+                <a:solidFill>
+                  <a:schemeClr val="bg2">
+                    <a:lumMod val="25000"/>
+                  </a:schemeClr>
+                </a:solidFill>
+              </a:rPr>
+              <a:t>01241206</a:t>
+            </a:r>
+          </a:p>
+        </p:txBody>
+      </p:sp>
+    </p:spTree>
+    <p:extLst>
+      <p:ext uri="{BB962C8B-B14F-4D97-AF65-F5344CB8AC3E}">
+        <p14:creationId xmlns:p14="http://schemas.microsoft.com/office/powerpoint/2010/main" val="2216235979"/>
       </p:ext>
     </p:extLst>
   </p:cSld>
@@ -3513,7 +4091,12 @@
             <p:ph type="title"/>
           </p:nvPr>
         </p:nvSpPr>
-        <p:spPr/>
+        <p:spPr>
+          <a:xfrm>
+            <a:off x="838200" y="591845"/>
+            <a:ext cx="9875520" cy="1356360"/>
+          </a:xfrm>
+        </p:spPr>
         <p:txBody>
           <a:bodyPr/>
           <a:lstStyle/>
@@ -3543,7 +4126,7 @@
         </p:nvSpPr>
         <p:spPr>
           <a:xfrm>
-            <a:off x="838200" y="1825625"/>
+            <a:off x="838200" y="1914817"/>
             <a:ext cx="5846685" cy="4351338"/>
           </a:xfrm>
         </p:spPr>
@@ -3555,73 +4138,57 @@
           <a:p>
             <a:r>
               <a:rPr lang="pt-BR" sz="2400" dirty="0"/>
-              <a:t>O </a:t>
-            </a:r>
-            <a:r>
-              <a:rPr lang="pt-BR" sz="2400" dirty="0" err="1"/>
-              <a:t>Muay</a:t>
-            </a:r>
+              <a:t>O Muay Thai faz parte da minha vida desde meus 10 anos;</a:t>
+            </a:r>
+          </a:p>
+          <a:p>
             <a:r>
               <a:rPr lang="pt-BR" sz="2400" dirty="0"/>
-              <a:t> Thai faz parte da minha vida desde meus 10 anos;</a:t>
-            </a:r>
-          </a:p>
-          <a:p>
+              <a:t>Sei a diferença que o esporte e </a:t>
+            </a:r>
+            <a:r>
+              <a:rPr lang="pt-BR" sz="2400" b="1" dirty="0"/>
+              <a:t>PRINCIPALMENTE</a:t>
+            </a:r>
             <a:r>
               <a:rPr lang="pt-BR" sz="2400" dirty="0"/>
-              <a:t>Sei a diferença que o esporte e PRINCIPALMENTE o </a:t>
-            </a:r>
-            <a:r>
-              <a:rPr lang="pt-BR" sz="2400" dirty="0" err="1"/>
-              <a:t>Muay</a:t>
-            </a:r>
+              <a:t> o Muay Thai fez na minha vida em diversos aspectos, como: Físico, Disciplina e Caráter;</a:t>
+            </a:r>
+          </a:p>
+          <a:p>
             <a:r>
               <a:rPr lang="pt-BR" sz="2400" dirty="0"/>
-              <a:t> Thai fez na minha vida em diversos aspectos, como: Físico, Disciplina e Caráter;</a:t>
+              <a:t>O Muay Thai me ajudou a me reconectar com a minha família e me fez conhecer diversas pessoas que vou levar os aprendizados pro resto da minha vida.</a:t>
             </a:r>
           </a:p>
           <a:p>
             <a:r>
               <a:rPr lang="pt-BR" sz="2400" dirty="0"/>
-              <a:t>O </a:t>
-            </a:r>
-            <a:r>
-              <a:rPr lang="pt-BR" sz="2400" dirty="0" err="1"/>
-              <a:t>Muay</a:t>
+              <a:t>Existem dois Enricos: Um </a:t>
+            </a:r>
+            <a:r>
+              <a:rPr lang="pt-BR" sz="2400" b="1" dirty="0">
+                <a:solidFill>
+                  <a:srgbClr val="C00000"/>
+                </a:solidFill>
+              </a:rPr>
+              <a:t>antes</a:t>
             </a:r>
             <a:r>
               <a:rPr lang="pt-BR" sz="2400" dirty="0"/>
-              <a:t> Thai me ajudou a me reconectar com a minha família e me fez conhecer diversas pessoas que vou levar os aprendizados pro resto da minha vida.</a:t>
-            </a:r>
-          </a:p>
-          <a:p>
+              <a:t> do Muay Thai e Um </a:t>
+            </a:r>
+            <a:r>
+              <a:rPr lang="pt-BR" sz="2400" b="1" dirty="0">
+                <a:solidFill>
+                  <a:srgbClr val="FF0000"/>
+                </a:solidFill>
+              </a:rPr>
+              <a:t>depois</a:t>
+            </a:r>
             <a:r>
               <a:rPr lang="pt-BR" sz="2400" dirty="0"/>
-              <a:t>Existem dois </a:t>
-            </a:r>
-            <a:r>
-              <a:rPr lang="pt-BR" sz="2400" dirty="0" err="1"/>
-              <a:t>Enricos</a:t>
-            </a:r>
-            <a:r>
-              <a:rPr lang="pt-BR" sz="2400" dirty="0"/>
-              <a:t>: Um antes do </a:t>
-            </a:r>
-            <a:r>
-              <a:rPr lang="pt-BR" sz="2400" dirty="0" err="1"/>
-              <a:t>Muay</a:t>
-            </a:r>
-            <a:r>
-              <a:rPr lang="pt-BR" sz="2400" dirty="0"/>
-              <a:t> Thai e Um depois do </a:t>
-            </a:r>
-            <a:r>
-              <a:rPr lang="pt-BR" sz="2400" dirty="0" err="1"/>
-              <a:t>Muay</a:t>
-            </a:r>
-            <a:r>
-              <a:rPr lang="pt-BR" sz="2400" dirty="0"/>
-              <a:t> Thai </a:t>
+              <a:t> do Muay Thai </a:t>
             </a:r>
           </a:p>
           <a:p>
@@ -3983,15 +4550,7 @@
           <a:p>
             <a:r>
               <a:rPr lang="pt-BR" dirty="0"/>
-              <a:t>Valores que o </a:t>
-            </a:r>
-            <a:r>
-              <a:rPr lang="pt-BR" dirty="0" err="1"/>
-              <a:t>Muay</a:t>
-            </a:r>
-            <a:r>
-              <a:rPr lang="pt-BR" dirty="0"/>
-              <a:t> Thai me ensinou!</a:t>
+              <a:t>Valores que o Muay Thai me ensinou!</a:t>
             </a:r>
           </a:p>
         </p:txBody>
@@ -4027,7 +4586,7 @@
           <a:p>
             <a:r>
               <a:rPr lang="pt-BR" sz="3200" dirty="0"/>
-              <a:t>Trabalhar em grupo;</a:t>
+              <a:t>Importância do trabalho em grupo;</a:t>
             </a:r>
           </a:p>
           <a:p>
@@ -5040,46 +5599,48 @@
           <a:bodyPr/>
           <a:lstStyle/>
           <a:p>
+            <a:pPr algn="ctr">
+              <a:buFont typeface="Wingdings" panose="05000000000000000000" pitchFamily="2" charset="2"/>
+              <a:buChar char="§"/>
+            </a:pPr>
+            <a:r>
+              <a:rPr lang="pt-BR" sz="4000" dirty="0"/>
+              <a:t>Site institucional;</a:t>
+            </a:r>
+          </a:p>
+          <a:p>
+            <a:pPr algn="ctr">
+              <a:buFont typeface="Wingdings" panose="05000000000000000000" pitchFamily="2" charset="2"/>
+              <a:buChar char="§"/>
+            </a:pPr>
+            <a:r>
+              <a:rPr lang="pt-BR" sz="4000" dirty="0"/>
+              <a:t>Login/Cadastro;</a:t>
+            </a:r>
+          </a:p>
+          <a:p>
+            <a:pPr algn="ctr">
+              <a:buFont typeface="Wingdings" panose="05000000000000000000" pitchFamily="2" charset="2"/>
+              <a:buChar char="§"/>
+            </a:pPr>
+            <a:r>
+              <a:rPr lang="pt-BR" sz="4000" dirty="0"/>
+              <a:t>Dashboard;</a:t>
+            </a:r>
+          </a:p>
+          <a:p>
+            <a:pPr algn="ctr">
+              <a:buFont typeface="Wingdings" panose="05000000000000000000" pitchFamily="2" charset="2"/>
+              <a:buChar char="§"/>
+            </a:pPr>
+            <a:r>
+              <a:rPr lang="pt-BR" sz="4000" dirty="0"/>
+              <a:t>Quis.</a:t>
+            </a:r>
+          </a:p>
+          <a:p>
             <a:pPr algn="ctr"/>
-            <a:r>
-              <a:rPr lang="pt-BR" dirty="0"/>
-              <a:t>Site institucional;</a:t>
-            </a:r>
-          </a:p>
-          <a:p>
-            <a:pPr algn="ctr"/>
-            <a:r>
-              <a:rPr lang="pt-BR" dirty="0"/>
-              <a:t>Login/Cadastro;</a:t>
-            </a:r>
-          </a:p>
-          <a:p>
-            <a:pPr algn="ctr"/>
-            <a:r>
-              <a:rPr lang="pt-BR" dirty="0"/>
-              <a:t>Dashboard;</a:t>
-            </a:r>
-          </a:p>
-          <a:p>
-            <a:pPr algn="ctr"/>
-            <a:r>
-              <a:rPr lang="pt-BR" dirty="0"/>
-              <a:t>Quiz;</a:t>
-            </a:r>
-          </a:p>
-          <a:p>
-            <a:pPr algn="ctr"/>
-            <a:r>
-              <a:rPr lang="pt-BR" dirty="0"/>
-              <a:t>Banco de Dados;</a:t>
-            </a:r>
-          </a:p>
-          <a:p>
-            <a:pPr algn="ctr"/>
-            <a:r>
-              <a:rPr lang="pt-BR" dirty="0"/>
-              <a:t>Máquina Virtual.</a:t>
-            </a:r>
+            <a:endParaRPr lang="pt-BR" dirty="0"/>
           </a:p>
         </p:txBody>
       </p:sp>
@@ -5118,7 +5679,7 @@
           <p:cNvPr id="2" name="Título 1">
             <a:extLst>
               <a:ext uri="{FF2B5EF4-FFF2-40B4-BE49-F238E27FC236}">
-                <a16:creationId xmlns:a16="http://schemas.microsoft.com/office/drawing/2014/main" id="{15F5FAA8-7A1C-279F-2564-C56A9EA319EA}"/>
+                <a16:creationId xmlns:a16="http://schemas.microsoft.com/office/drawing/2014/main" id="{C6890A23-98DD-9439-8F71-2FC6EA60D3D9}"/>
               </a:ext>
             </a:extLst>
           </p:cNvPr>
@@ -5136,17 +5697,17 @@
           <a:p>
             <a:r>
               <a:rPr lang="pt-BR" dirty="0"/>
-              <a:t>Agradecimentos:</a:t>
-            </a:r>
-          </a:p>
-        </p:txBody>
-      </p:sp>
-      <p:sp>
-        <p:nvSpPr>
-          <p:cNvPr id="3" name="Espaço Reservado para Conteúdo 2">
+              <a:t>Banco de Dados:</a:t>
+            </a:r>
+          </a:p>
+        </p:txBody>
+      </p:sp>
+      <p:sp>
+        <p:nvSpPr>
+          <p:cNvPr id="7" name="Espaço Reservado para Conteúdo 6">
             <a:extLst>
               <a:ext uri="{FF2B5EF4-FFF2-40B4-BE49-F238E27FC236}">
-                <a16:creationId xmlns:a16="http://schemas.microsoft.com/office/drawing/2014/main" id="{0A9F188B-A8BE-294E-0FC6-BBD40C44C318}"/>
+                <a16:creationId xmlns:a16="http://schemas.microsoft.com/office/drawing/2014/main" id="{F2105C0F-A6D9-363E-951B-230C238CF4C7}"/>
               </a:ext>
             </a:extLst>
           </p:cNvPr>
@@ -5157,63 +5718,21 @@
             <p:ph idx="1"/>
           </p:nvPr>
         </p:nvSpPr>
-        <p:spPr>
-          <a:xfrm>
-            <a:off x="616258" y="1825625"/>
-            <a:ext cx="6228425" cy="4351338"/>
-          </a:xfrm>
-        </p:spPr>
+        <p:spPr/>
         <p:txBody>
           <a:bodyPr/>
           <a:lstStyle/>
           <a:p>
-            <a:r>
-              <a:rPr lang="pt-BR" dirty="0"/>
-              <a:t>Minha irmã, amiga, professora e minha maior inspiração no </a:t>
-            </a:r>
-            <a:r>
-              <a:rPr lang="pt-BR" dirty="0" err="1"/>
-              <a:t>Muay</a:t>
-            </a:r>
-            <a:r>
-              <a:rPr lang="pt-BR" dirty="0"/>
-              <a:t> Thai e grande inspiração como pessoa:</a:t>
-            </a:r>
-          </a:p>
-          <a:p>
-            <a:r>
-              <a:rPr lang="pt-BR" dirty="0"/>
-              <a:t>Nathalia de Santana Caldeira.</a:t>
-            </a:r>
-          </a:p>
-          <a:p>
-            <a:r>
-              <a:rPr lang="pt-BR" dirty="0"/>
-              <a:t>Além disso...</a:t>
-            </a:r>
-          </a:p>
-          <a:p>
-            <a:r>
-              <a:rPr lang="pt-BR" dirty="0"/>
-              <a:t>A </a:t>
-            </a:r>
-            <a:r>
-              <a:rPr lang="pt-BR" dirty="0" err="1"/>
-              <a:t>SPTech</a:t>
-            </a:r>
-            <a:r>
-              <a:rPr lang="pt-BR" dirty="0"/>
-              <a:t>, por me ajudar a relembrar do amor que eu sinto por esse esporte que mudou minha vida.</a:t>
-            </a:r>
+            <a:endParaRPr lang="pt-BR" dirty="0"/>
           </a:p>
         </p:txBody>
       </p:sp>
       <p:pic>
         <p:nvPicPr>
-          <p:cNvPr id="5" name="Imagem 4">
+          <p:cNvPr id="9" name="Imagem 8">
             <a:extLst>
               <a:ext uri="{FF2B5EF4-FFF2-40B4-BE49-F238E27FC236}">
-                <a16:creationId xmlns:a16="http://schemas.microsoft.com/office/drawing/2014/main" id="{C3360086-17C4-1B0B-58E3-2DFFE93C90FC}"/>
+                <a16:creationId xmlns:a16="http://schemas.microsoft.com/office/drawing/2014/main" id="{9BAA679C-76C2-80D2-8EFB-C094087D96EA}"/>
               </a:ext>
             </a:extLst>
           </p:cNvPr>
@@ -5230,8 +5749,8 @@
         </p:blipFill>
         <p:spPr>
           <a:xfrm>
-            <a:off x="6844683" y="689841"/>
-            <a:ext cx="5035815" cy="5478318"/>
+            <a:off x="2747495" y="2161908"/>
+            <a:ext cx="6697010" cy="3829584"/>
           </a:xfrm>
           <a:prstGeom prst="rect">
             <a:avLst/>
@@ -5241,284 +5760,13 @@
     </p:spTree>
     <p:extLst>
       <p:ext uri="{BB962C8B-B14F-4D97-AF65-F5344CB8AC3E}">
-        <p14:creationId xmlns:p14="http://schemas.microsoft.com/office/powerpoint/2010/main" val="2969893371"/>
+        <p14:creationId xmlns:p14="http://schemas.microsoft.com/office/powerpoint/2010/main" val="4200854382"/>
       </p:ext>
     </p:extLst>
   </p:cSld>
   <p:clrMapOvr>
     <a:masterClrMapping/>
   </p:clrMapOvr>
-  <p:timing>
-    <p:tnLst>
-      <p:par>
-        <p:cTn id="1" dur="indefinite" restart="never" nodeType="tmRoot">
-          <p:childTnLst>
-            <p:seq concurrent="1" nextAc="seek">
-              <p:cTn id="2" dur="indefinite" nodeType="mainSeq">
-                <p:childTnLst>
-                  <p:par>
-                    <p:cTn id="3" fill="hold">
-                      <p:stCondLst>
-                        <p:cond delay="indefinite"/>
-                      </p:stCondLst>
-                      <p:childTnLst>
-                        <p:par>
-                          <p:cTn id="4" fill="hold">
-                            <p:stCondLst>
-                              <p:cond delay="0"/>
-                            </p:stCondLst>
-                            <p:childTnLst>
-                              <p:par>
-                                <p:cTn id="5" presetID="1" presetClass="entr" presetSubtype="0" fill="hold" nodeType="clickEffect">
-                                  <p:stCondLst>
-                                    <p:cond delay="0"/>
-                                  </p:stCondLst>
-                                  <p:childTnLst>
-                                    <p:set>
-                                      <p:cBhvr>
-                                        <p:cTn id="6" dur="1" fill="hold">
-                                          <p:stCondLst>
-                                            <p:cond delay="0"/>
-                                          </p:stCondLst>
-                                        </p:cTn>
-                                        <p:tgtEl>
-                                          <p:spTgt spid="3">
-                                            <p:txEl>
-                                              <p:pRg st="0" end="0"/>
-                                            </p:txEl>
-                                          </p:spTgt>
-                                        </p:tgtEl>
-                                        <p:attrNameLst>
-                                          <p:attrName>style.visibility</p:attrName>
-                                        </p:attrNameLst>
-                                      </p:cBhvr>
-                                      <p:to>
-                                        <p:strVal val="visible"/>
-                                      </p:to>
-                                    </p:set>
-                                  </p:childTnLst>
-                                </p:cTn>
-                              </p:par>
-                            </p:childTnLst>
-                          </p:cTn>
-                        </p:par>
-                      </p:childTnLst>
-                    </p:cTn>
-                  </p:par>
-                  <p:par>
-                    <p:cTn id="7" fill="hold">
-                      <p:stCondLst>
-                        <p:cond delay="indefinite"/>
-                      </p:stCondLst>
-                      <p:childTnLst>
-                        <p:par>
-                          <p:cTn id="8" fill="hold">
-                            <p:stCondLst>
-                              <p:cond delay="0"/>
-                            </p:stCondLst>
-                            <p:childTnLst>
-                              <p:par>
-                                <p:cTn id="9" presetID="1" presetClass="entr" presetSubtype="0" fill="hold" nodeType="clickEffect">
-                                  <p:stCondLst>
-                                    <p:cond delay="0"/>
-                                  </p:stCondLst>
-                                  <p:childTnLst>
-                                    <p:set>
-                                      <p:cBhvr>
-                                        <p:cTn id="10" dur="1" fill="hold">
-                                          <p:stCondLst>
-                                            <p:cond delay="0"/>
-                                          </p:stCondLst>
-                                        </p:cTn>
-                                        <p:tgtEl>
-                                          <p:spTgt spid="3">
-                                            <p:txEl>
-                                              <p:pRg st="1" end="1"/>
-                                            </p:txEl>
-                                          </p:spTgt>
-                                        </p:tgtEl>
-                                        <p:attrNameLst>
-                                          <p:attrName>style.visibility</p:attrName>
-                                        </p:attrNameLst>
-                                      </p:cBhvr>
-                                      <p:to>
-                                        <p:strVal val="visible"/>
-                                      </p:to>
-                                    </p:set>
-                                  </p:childTnLst>
-                                </p:cTn>
-                              </p:par>
-                            </p:childTnLst>
-                          </p:cTn>
-                        </p:par>
-                      </p:childTnLst>
-                    </p:cTn>
-                  </p:par>
-                  <p:par>
-                    <p:cTn id="11" fill="hold">
-                      <p:stCondLst>
-                        <p:cond delay="indefinite"/>
-                      </p:stCondLst>
-                      <p:childTnLst>
-                        <p:par>
-                          <p:cTn id="12" fill="hold">
-                            <p:stCondLst>
-                              <p:cond delay="0"/>
-                            </p:stCondLst>
-                            <p:childTnLst>
-                              <p:par>
-                                <p:cTn id="13" presetID="1" presetClass="entr" presetSubtype="0" fill="hold" nodeType="clickEffect">
-                                  <p:stCondLst>
-                                    <p:cond delay="0"/>
-                                  </p:stCondLst>
-                                  <p:childTnLst>
-                                    <p:set>
-                                      <p:cBhvr>
-                                        <p:cTn id="14" dur="1" fill="hold">
-                                          <p:stCondLst>
-                                            <p:cond delay="0"/>
-                                          </p:stCondLst>
-                                        </p:cTn>
-                                        <p:tgtEl>
-                                          <p:spTgt spid="5"/>
-                                        </p:tgtEl>
-                                        <p:attrNameLst>
-                                          <p:attrName>style.visibility</p:attrName>
-                                        </p:attrNameLst>
-                                      </p:cBhvr>
-                                      <p:to>
-                                        <p:strVal val="visible"/>
-                                      </p:to>
-                                    </p:set>
-                                  </p:childTnLst>
-                                </p:cTn>
-                              </p:par>
-                            </p:childTnLst>
-                          </p:cTn>
-                        </p:par>
-                      </p:childTnLst>
-                    </p:cTn>
-                  </p:par>
-                  <p:par>
-                    <p:cTn id="15" fill="hold">
-                      <p:stCondLst>
-                        <p:cond delay="indefinite"/>
-                      </p:stCondLst>
-                      <p:childTnLst>
-                        <p:par>
-                          <p:cTn id="16" fill="hold">
-                            <p:stCondLst>
-                              <p:cond delay="0"/>
-                            </p:stCondLst>
-                            <p:childTnLst>
-                              <p:par>
-                                <p:cTn id="17" presetID="1" presetClass="entr" presetSubtype="0" fill="hold" nodeType="clickEffect">
-                                  <p:stCondLst>
-                                    <p:cond delay="0"/>
-                                  </p:stCondLst>
-                                  <p:childTnLst>
-                                    <p:set>
-                                      <p:cBhvr>
-                                        <p:cTn id="18" dur="1" fill="hold">
-                                          <p:stCondLst>
-                                            <p:cond delay="0"/>
-                                          </p:stCondLst>
-                                        </p:cTn>
-                                        <p:tgtEl>
-                                          <p:spTgt spid="3">
-                                            <p:txEl>
-                                              <p:pRg st="2" end="2"/>
-                                            </p:txEl>
-                                          </p:spTgt>
-                                        </p:tgtEl>
-                                        <p:attrNameLst>
-                                          <p:attrName>style.visibility</p:attrName>
-                                        </p:attrNameLst>
-                                      </p:cBhvr>
-                                      <p:to>
-                                        <p:strVal val="visible"/>
-                                      </p:to>
-                                    </p:set>
-                                  </p:childTnLst>
-                                </p:cTn>
-                              </p:par>
-                            </p:childTnLst>
-                          </p:cTn>
-                        </p:par>
-                      </p:childTnLst>
-                    </p:cTn>
-                  </p:par>
-                  <p:par>
-                    <p:cTn id="19" fill="hold">
-                      <p:stCondLst>
-                        <p:cond delay="indefinite"/>
-                      </p:stCondLst>
-                      <p:childTnLst>
-                        <p:par>
-                          <p:cTn id="20" fill="hold">
-                            <p:stCondLst>
-                              <p:cond delay="0"/>
-                            </p:stCondLst>
-                            <p:childTnLst>
-                              <p:par>
-                                <p:cTn id="21" presetID="1" presetClass="entr" presetSubtype="0" fill="hold" nodeType="clickEffect">
-                                  <p:stCondLst>
-                                    <p:cond delay="0"/>
-                                  </p:stCondLst>
-                                  <p:childTnLst>
-                                    <p:set>
-                                      <p:cBhvr>
-                                        <p:cTn id="22" dur="1" fill="hold">
-                                          <p:stCondLst>
-                                            <p:cond delay="0"/>
-                                          </p:stCondLst>
-                                        </p:cTn>
-                                        <p:tgtEl>
-                                          <p:spTgt spid="3">
-                                            <p:txEl>
-                                              <p:pRg st="3" end="3"/>
-                                            </p:txEl>
-                                          </p:spTgt>
-                                        </p:tgtEl>
-                                        <p:attrNameLst>
-                                          <p:attrName>style.visibility</p:attrName>
-                                        </p:attrNameLst>
-                                      </p:cBhvr>
-                                      <p:to>
-                                        <p:strVal val="visible"/>
-                                      </p:to>
-                                    </p:set>
-                                  </p:childTnLst>
-                                </p:cTn>
-                              </p:par>
-                            </p:childTnLst>
-                          </p:cTn>
-                        </p:par>
-                      </p:childTnLst>
-                    </p:cTn>
-                  </p:par>
-                </p:childTnLst>
-              </p:cTn>
-              <p:prevCondLst>
-                <p:cond evt="onPrev" delay="0">
-                  <p:tgtEl>
-                    <p:sldTgt/>
-                  </p:tgtEl>
-                </p:cond>
-              </p:prevCondLst>
-              <p:nextCondLst>
-                <p:cond evt="onNext" delay="0">
-                  <p:tgtEl>
-                    <p:sldTgt/>
-                  </p:tgtEl>
-                </p:cond>
-              </p:nextCondLst>
-            </p:seq>
-          </p:childTnLst>
-        </p:cTn>
-      </p:par>
-    </p:tnLst>
-  </p:timing>
 </p:sld>
 </file>
 
@@ -5541,10 +5789,10 @@
       </p:grpSpPr>
       <p:sp>
         <p:nvSpPr>
-          <p:cNvPr id="4" name="Título 3">
+          <p:cNvPr id="2" name="Título 1">
             <a:extLst>
               <a:ext uri="{FF2B5EF4-FFF2-40B4-BE49-F238E27FC236}">
-                <a16:creationId xmlns:a16="http://schemas.microsoft.com/office/drawing/2014/main" id="{2009A6C9-2A94-6E0D-61E1-4F1635D48C9D}"/>
+                <a16:creationId xmlns:a16="http://schemas.microsoft.com/office/drawing/2014/main" id="{13EED22B-3B2A-30F9-C069-BD7EAC7A9965}"/>
               </a:ext>
             </a:extLst>
           </p:cNvPr>
@@ -5552,7 +5800,7 @@
             <a:spLocks noGrp="1"/>
           </p:cNvSpPr>
           <p:nvPr>
-            <p:ph type="ctrTitle"/>
+            <p:ph type="title"/>
           </p:nvPr>
         </p:nvSpPr>
         <p:spPr/>
@@ -5561,60 +5809,105 @@
           <a:lstStyle/>
           <a:p>
             <a:r>
-              <a:rPr lang="pt-BR" dirty="0">
-                <a:solidFill>
-                  <a:schemeClr val="bg2"/>
-                </a:solidFill>
-              </a:rPr>
-              <a:t>Muito Obrigado pela Atenção!</a:t>
-            </a:r>
-          </a:p>
-        </p:txBody>
-      </p:sp>
-      <p:sp>
-        <p:nvSpPr>
-          <p:cNvPr id="5" name="Subtítulo 4">
+              <a:rPr lang="pt-BR" dirty="0"/>
+              <a:t>Máquina Virtual</a:t>
+            </a:r>
+          </a:p>
+        </p:txBody>
+      </p:sp>
+      <p:pic>
+        <p:nvPicPr>
+          <p:cNvPr id="5" name="Espaço Reservado para Conteúdo 4">
             <a:extLst>
               <a:ext uri="{FF2B5EF4-FFF2-40B4-BE49-F238E27FC236}">
-                <a16:creationId xmlns:a16="http://schemas.microsoft.com/office/drawing/2014/main" id="{8EDAE5B6-4C81-C7BC-BAAB-EC3E5D8EF0D4}"/>
+                <a16:creationId xmlns:a16="http://schemas.microsoft.com/office/drawing/2014/main" id="{3CAE8D54-C5E1-FE3E-A234-2C85C243E13D}"/>
               </a:ext>
             </a:extLst>
           </p:cNvPr>
-          <p:cNvSpPr>
-            <a:spLocks noGrp="1"/>
-          </p:cNvSpPr>
-          <p:nvPr>
-            <p:ph type="subTitle" idx="1"/>
-          </p:nvPr>
-        </p:nvSpPr>
-        <p:spPr/>
-        <p:txBody>
-          <a:bodyPr/>
-          <a:lstStyle/>
-          <a:p>
-            <a:r>
-              <a:rPr lang="pt-BR" dirty="0"/>
-              <a:t>Enrico Ferrer de Santana</a:t>
-            </a:r>
-          </a:p>
-          <a:p>
-            <a:r>
-              <a:rPr lang="pt-BR" dirty="0"/>
-              <a:t>1ADSC</a:t>
-            </a:r>
-          </a:p>
-          <a:p>
-            <a:r>
-              <a:rPr lang="pt-BR" dirty="0"/>
-              <a:t>01241206</a:t>
-            </a:r>
-          </a:p>
-        </p:txBody>
-      </p:sp>
+          <p:cNvPicPr>
+            <a:picLocks noGrp="1" noChangeAspect="1"/>
+          </p:cNvPicPr>
+          <p:nvPr>
+            <p:ph idx="1"/>
+          </p:nvPr>
+        </p:nvPicPr>
+        <p:blipFill>
+          <a:blip r:embed="rId2"/>
+          <a:stretch>
+            <a:fillRect/>
+          </a:stretch>
+        </p:blipFill>
+        <p:spPr>
+          <a:xfrm>
+            <a:off x="2904756" y="2068876"/>
+            <a:ext cx="6382488" cy="3577322"/>
+          </a:xfrm>
+        </p:spPr>
+      </p:pic>
     </p:spTree>
     <p:extLst>
       <p:ext uri="{BB962C8B-B14F-4D97-AF65-F5344CB8AC3E}">
-        <p14:creationId xmlns:p14="http://schemas.microsoft.com/office/powerpoint/2010/main" val="2216235979"/>
+        <p14:creationId xmlns:p14="http://schemas.microsoft.com/office/powerpoint/2010/main" val="13525282"/>
+      </p:ext>
+    </p:extLst>
+  </p:cSld>
+  <p:clrMapOvr>
+    <a:masterClrMapping/>
+  </p:clrMapOvr>
+</p:sld>
+</file>
+
+<file path=ppt/slides/slide9.xml><?xml version="1.0" encoding="utf-8"?>
+<p:sld xmlns:a="http://schemas.openxmlformats.org/drawingml/2006/main" xmlns:r="http://schemas.openxmlformats.org/officeDocument/2006/relationships" xmlns:p="http://schemas.openxmlformats.org/presentationml/2006/main">
+  <p:cSld>
+    <p:spTree>
+      <p:nvGrpSpPr>
+        <p:cNvPr id="1" name=""/>
+        <p:cNvGrpSpPr/>
+        <p:nvPr/>
+      </p:nvGrpSpPr>
+      <p:grpSpPr>
+        <a:xfrm>
+          <a:off x="0" y="0"/>
+          <a:ext cx="0" cy="0"/>
+          <a:chOff x="0" y="0"/>
+          <a:chExt cx="0" cy="0"/>
+        </a:xfrm>
+      </p:grpSpPr>
+      <p:pic>
+        <p:nvPicPr>
+          <p:cNvPr id="5" name="Imagem 4">
+            <a:extLst>
+              <a:ext uri="{FF2B5EF4-FFF2-40B4-BE49-F238E27FC236}">
+                <a16:creationId xmlns:a16="http://schemas.microsoft.com/office/drawing/2014/main" id="{30EF64CE-1924-E8A8-D933-3FB193434B24}"/>
+              </a:ext>
+            </a:extLst>
+          </p:cNvPr>
+          <p:cNvPicPr>
+            <a:picLocks noChangeAspect="1"/>
+          </p:cNvPicPr>
+          <p:nvPr/>
+        </p:nvPicPr>
+        <p:blipFill>
+          <a:blip r:embed="rId2"/>
+          <a:stretch>
+            <a:fillRect/>
+          </a:stretch>
+        </p:blipFill>
+        <p:spPr>
+          <a:xfrm>
+            <a:off x="4184914" y="1361375"/>
+            <a:ext cx="3822172" cy="4135250"/>
+          </a:xfrm>
+          <a:prstGeom prst="rect">
+            <a:avLst/>
+          </a:prstGeom>
+        </p:spPr>
+      </p:pic>
+    </p:spTree>
+    <p:extLst>
+      <p:ext uri="{BB962C8B-B14F-4D97-AF65-F5344CB8AC3E}">
+        <p14:creationId xmlns:p14="http://schemas.microsoft.com/office/powerpoint/2010/main" val="403877794"/>
       </p:ext>
     </p:extLst>
   </p:cSld>
@@ -5665,18 +5958,18 @@
         <a:srgbClr val="3EBBF0"/>
       </a:folHlink>
     </a:clrScheme>
-    <a:fontScheme name="Candara">
+    <a:fontScheme name="Franklin Gothic">
       <a:majorFont>
-        <a:latin typeface="Candara" panose="020E0502030303020204"/>
+        <a:latin typeface="Franklin Gothic Medium" panose="020B0603020102020204"/>
         <a:ea typeface=""/>
         <a:cs typeface=""/>
-        <a:font script="Jpan" typeface="HGｺﾞｼｯｸM"/>
-        <a:font script="Hang" typeface="HY엽서L"/>
-        <a:font script="Hans" typeface="华文楷体"/>
-        <a:font script="Hant" typeface="新細明體"/>
+        <a:font script="Jpan" typeface="HG創英角ｺﾞｼｯｸUB"/>
+        <a:font script="Hang" typeface="돋움"/>
+        <a:font script="Hans" typeface="隶书"/>
+        <a:font script="Hant" typeface="微軟正黑體"/>
         <a:font script="Arab" typeface="Tahoma"/>
-        <a:font script="Hebr" typeface="Miriam"/>
-        <a:font script="Thai" typeface="DilleniaUPC"/>
+        <a:font script="Hebr" typeface="Aharoni"/>
+        <a:font script="Thai" typeface="LilyUPC"/>
         <a:font script="Ethi" typeface="Nyala"/>
         <a:font script="Beng" typeface="Vrinda"/>
         <a:font script="Gujr" typeface="Shruti"/>
@@ -5702,16 +5995,16 @@
         <a:font script="Geor" typeface="Sylfaen"/>
       </a:majorFont>
       <a:minorFont>
-        <a:latin typeface="Candara" panose="020E0502030303020204"/>
+        <a:latin typeface="Franklin Gothic Book" panose="020B0503020102020204"/>
         <a:ea typeface=""/>
         <a:cs typeface=""/>
-        <a:font script="Jpan" typeface="HGｺﾞｼｯｸM"/>
-        <a:font script="Hang" typeface="HY엽서L"/>
+        <a:font script="Jpan" typeface="HGｺﾞｼｯｸE"/>
+        <a:font script="Hang" typeface="돋움"/>
         <a:font script="Hans" typeface="华文楷体"/>
-        <a:font script="Hant" typeface="新細明體"/>
+        <a:font script="Hant" typeface="微軟正黑體"/>
         <a:font script="Arab" typeface="Tahoma"/>
-        <a:font script="Hebr" typeface="Miriam"/>
-        <a:font script="Thai" typeface="DilleniaUPC"/>
+        <a:font script="Hebr" typeface="Aharoni"/>
+        <a:font script="Thai" typeface="LilyUPC"/>
         <a:font script="Ethi" typeface="Nyala"/>
         <a:font script="Beng" typeface="Vrinda"/>
         <a:font script="Gujr" typeface="Shruti"/>
@@ -5732,7 +6025,7 @@
         <a:font script="Laoo" typeface="DokChampa"/>
         <a:font script="Sinh" typeface="Iskoola Pota"/>
         <a:font script="Mong" typeface="Mongolian Baiti"/>
-        <a:font script="Viet" typeface="Arial"/>
+        <a:font script="Viet" typeface="Tahoma"/>
         <a:font script="Uigh" typeface="Microsoft Uighur"/>
         <a:font script="Geor" typeface="Sylfaen"/>
       </a:minorFont>
